--- a/figures/article-figures/Ex Fig 8.pptx
+++ b/figures/article-figures/Ex Fig 8.pptx
@@ -198,7 +198,7 @@
           <a:p>
             <a:fld id="{B19977C2-3852-6343-8FB6-75798599EF47}" type="datetimeFigureOut">
               <a:rPr lang="en-US" smtClean="0"/>
-              <a:t>9/12/24</a:t>
+              <a:t>10/3/24</a:t>
             </a:fld>
             <a:endParaRPr lang="en-US"/>
           </a:p>
@@ -774,7 +774,7 @@
           <a:p>
             <a:fld id="{49D16157-31ED-214D-A6E8-583A2FDE31BF}" type="datetimeFigureOut">
               <a:rPr lang="en-US" smtClean="0"/>
-              <a:t>9/12/24</a:t>
+              <a:t>10/3/24</a:t>
             </a:fld>
             <a:endParaRPr lang="en-US"/>
           </a:p>
@@ -944,7 +944,7 @@
           <a:p>
             <a:fld id="{49D16157-31ED-214D-A6E8-583A2FDE31BF}" type="datetimeFigureOut">
               <a:rPr lang="en-US" smtClean="0"/>
-              <a:t>9/12/24</a:t>
+              <a:t>10/3/24</a:t>
             </a:fld>
             <a:endParaRPr lang="en-US"/>
           </a:p>
@@ -1124,7 +1124,7 @@
           <a:p>
             <a:fld id="{49D16157-31ED-214D-A6E8-583A2FDE31BF}" type="datetimeFigureOut">
               <a:rPr lang="en-US" smtClean="0"/>
-              <a:t>9/12/24</a:t>
+              <a:t>10/3/24</a:t>
             </a:fld>
             <a:endParaRPr lang="en-US"/>
           </a:p>
@@ -1294,7 +1294,7 @@
           <a:p>
             <a:fld id="{49D16157-31ED-214D-A6E8-583A2FDE31BF}" type="datetimeFigureOut">
               <a:rPr lang="en-US" smtClean="0"/>
-              <a:t>9/12/24</a:t>
+              <a:t>10/3/24</a:t>
             </a:fld>
             <a:endParaRPr lang="en-US"/>
           </a:p>
@@ -1540,7 +1540,7 @@
           <a:p>
             <a:fld id="{49D16157-31ED-214D-A6E8-583A2FDE31BF}" type="datetimeFigureOut">
               <a:rPr lang="en-US" smtClean="0"/>
-              <a:t>9/12/24</a:t>
+              <a:t>10/3/24</a:t>
             </a:fld>
             <a:endParaRPr lang="en-US"/>
           </a:p>
@@ -1772,7 +1772,7 @@
           <a:p>
             <a:fld id="{49D16157-31ED-214D-A6E8-583A2FDE31BF}" type="datetimeFigureOut">
               <a:rPr lang="en-US" smtClean="0"/>
-              <a:t>9/12/24</a:t>
+              <a:t>10/3/24</a:t>
             </a:fld>
             <a:endParaRPr lang="en-US"/>
           </a:p>
@@ -2139,7 +2139,7 @@
           <a:p>
             <a:fld id="{49D16157-31ED-214D-A6E8-583A2FDE31BF}" type="datetimeFigureOut">
               <a:rPr lang="en-US" smtClean="0"/>
-              <a:t>9/12/24</a:t>
+              <a:t>10/3/24</a:t>
             </a:fld>
             <a:endParaRPr lang="en-US"/>
           </a:p>
@@ -2257,7 +2257,7 @@
           <a:p>
             <a:fld id="{49D16157-31ED-214D-A6E8-583A2FDE31BF}" type="datetimeFigureOut">
               <a:rPr lang="en-US" smtClean="0"/>
-              <a:t>9/12/24</a:t>
+              <a:t>10/3/24</a:t>
             </a:fld>
             <a:endParaRPr lang="en-US"/>
           </a:p>
@@ -2352,7 +2352,7 @@
           <a:p>
             <a:fld id="{49D16157-31ED-214D-A6E8-583A2FDE31BF}" type="datetimeFigureOut">
               <a:rPr lang="en-US" smtClean="0"/>
-              <a:t>9/12/24</a:t>
+              <a:t>10/3/24</a:t>
             </a:fld>
             <a:endParaRPr lang="en-US"/>
           </a:p>
@@ -2629,7 +2629,7 @@
           <a:p>
             <a:fld id="{49D16157-31ED-214D-A6E8-583A2FDE31BF}" type="datetimeFigureOut">
               <a:rPr lang="en-US" smtClean="0"/>
-              <a:t>9/12/24</a:t>
+              <a:t>10/3/24</a:t>
             </a:fld>
             <a:endParaRPr lang="en-US"/>
           </a:p>
@@ -2886,7 +2886,7 @@
           <a:p>
             <a:fld id="{49D16157-31ED-214D-A6E8-583A2FDE31BF}" type="datetimeFigureOut">
               <a:rPr lang="en-US" smtClean="0"/>
-              <a:t>9/12/24</a:t>
+              <a:t>10/3/24</a:t>
             </a:fld>
             <a:endParaRPr lang="en-US"/>
           </a:p>
@@ -3099,7 +3099,7 @@
           <a:p>
             <a:fld id="{49D16157-31ED-214D-A6E8-583A2FDE31BF}" type="datetimeFigureOut">
               <a:rPr lang="en-US" smtClean="0"/>
-              <a:t>9/12/24</a:t>
+              <a:t>10/3/24</a:t>
             </a:fld>
             <a:endParaRPr lang="en-US"/>
           </a:p>
@@ -3549,13 +3549,13 @@
         </p:nvPicPr>
         <p:blipFill>
           <a:blip r:embed="rId4"/>
-          <a:srcRect t="15209" b="7766"/>
+          <a:srcRect t="15171" b="6980"/>
           <a:stretch/>
         </p:blipFill>
         <p:spPr>
           <a:xfrm>
-            <a:off x="0" y="4855134"/>
-            <a:ext cx="12097141" cy="2562352"/>
+            <a:off x="0" y="4868999"/>
+            <a:ext cx="12097141" cy="2589806"/>
           </a:xfrm>
           <a:prstGeom prst="rect">
             <a:avLst/>
@@ -3967,7 +3967,7 @@
         <p:spPr>
           <a:xfrm>
             <a:off x="4781962" y="1951359"/>
-            <a:ext cx="380232" cy="200055"/>
+            <a:ext cx="428322" cy="200055"/>
           </a:xfrm>
           <a:prstGeom prst="rect">
             <a:avLst/>
@@ -3983,12 +3983,12 @@
             <a:r>
               <a:rPr lang="en-US" sz="700" dirty="0">
                 <a:solidFill>
-                  <a:srgbClr val="F1807F"/>
+                  <a:srgbClr val="7B68EE"/>
                 </a:solidFill>
                 <a:latin typeface="Arial" panose="020B0604020202020204" pitchFamily="34" charset="0"/>
                 <a:cs typeface="Arial" panose="020B0604020202020204" pitchFamily="34" charset="0"/>
               </a:rPr>
-              <a:t>Over</a:t>
+              <a:t>Under</a:t>
             </a:r>
           </a:p>
         </p:txBody>
@@ -4008,7 +4008,7 @@
         <p:spPr>
           <a:xfrm>
             <a:off x="6232034" y="1955678"/>
-            <a:ext cx="428322" cy="200055"/>
+            <a:ext cx="380232" cy="200055"/>
           </a:xfrm>
           <a:prstGeom prst="rect">
             <a:avLst/>
@@ -4024,12 +4024,12 @@
             <a:r>
               <a:rPr lang="en-US" sz="700" dirty="0">
                 <a:solidFill>
-                  <a:srgbClr val="7B68EE"/>
+                  <a:srgbClr val="F1807F"/>
                 </a:solidFill>
                 <a:latin typeface="Arial" panose="020B0604020202020204" pitchFamily="34" charset="0"/>
                 <a:cs typeface="Arial" panose="020B0604020202020204" pitchFamily="34" charset="0"/>
               </a:rPr>
-              <a:t>Under</a:t>
+              <a:t>Over</a:t>
             </a:r>
           </a:p>
         </p:txBody>
@@ -4058,7 +4058,7 @@
           </a:prstGeom>
           <a:ln w="9525">
             <a:solidFill>
-              <a:srgbClr val="7B68EE"/>
+              <a:srgbClr val="F1807F"/>
             </a:solidFill>
             <a:tailEnd type="triangle" w="sm" len="sm"/>
           </a:ln>
@@ -4102,7 +4102,7 @@
           </a:prstGeom>
           <a:ln w="9525">
             <a:solidFill>
-              <a:srgbClr val="F1807F"/>
+              <a:srgbClr val="7B68EE"/>
             </a:solidFill>
             <a:tailEnd type="triangle" w="sm" len="sm"/>
           </a:ln>
